--- a/lectures/lecture06_R-II.pptx
+++ b/lectures/lecture06_R-II.pptx
@@ -5,7 +5,7 @@
     <p:sldMasterId id="2147483648" r:id="rId1"/>
   </p:sldMasterIdLst>
   <p:notesMasterIdLst>
-    <p:notesMasterId r:id="rId22"/>
+    <p:notesMasterId r:id="rId23"/>
   </p:notesMasterIdLst>
   <p:sldIdLst>
     <p:sldId id="256" r:id="rId2"/>
@@ -25,9 +25,10 @@
     <p:sldId id="306" r:id="rId16"/>
     <p:sldId id="316" r:id="rId17"/>
     <p:sldId id="321" r:id="rId18"/>
-    <p:sldId id="325" r:id="rId19"/>
-    <p:sldId id="326" r:id="rId20"/>
-    <p:sldId id="314" r:id="rId21"/>
+    <p:sldId id="327" r:id="rId19"/>
+    <p:sldId id="325" r:id="rId20"/>
+    <p:sldId id="326" r:id="rId21"/>
+    <p:sldId id="314" r:id="rId22"/>
   </p:sldIdLst>
   <p:sldSz cx="9144000" cy="6858000" type="screen4x3"/>
   <p:notesSz cx="6858000" cy="9144000"/>
@@ -211,7 +212,7 @@
           <a:p>
             <a:fld id="{5EE6BB87-626E-9C4B-A7F4-9EF6478BD5F6}" type="datetimeFigureOut">
               <a:rPr lang="en-US" smtClean="0"/>
-              <a:t>2/8/17</a:t>
+              <a:t>2/13/17</a:t>
             </a:fld>
             <a:endParaRPr lang="en-US"/>
           </a:p>
@@ -744,7 +745,7 @@
           <a:p>
             <a:fld id="{42B8B0BE-C8D7-EB48-AD68-71DB5002F24B}" type="datetimeFigureOut">
               <a:rPr lang="en-US" smtClean="0"/>
-              <a:t>2/8/17</a:t>
+              <a:t>2/13/17</a:t>
             </a:fld>
             <a:endParaRPr lang="en-US"/>
           </a:p>
@@ -914,7 +915,7 @@
           <a:p>
             <a:fld id="{42B8B0BE-C8D7-EB48-AD68-71DB5002F24B}" type="datetimeFigureOut">
               <a:rPr lang="en-US" smtClean="0"/>
-              <a:t>2/8/17</a:t>
+              <a:t>2/13/17</a:t>
             </a:fld>
             <a:endParaRPr lang="en-US"/>
           </a:p>
@@ -1094,7 +1095,7 @@
           <a:p>
             <a:fld id="{42B8B0BE-C8D7-EB48-AD68-71DB5002F24B}" type="datetimeFigureOut">
               <a:rPr lang="en-US" smtClean="0"/>
-              <a:t>2/8/17</a:t>
+              <a:t>2/13/17</a:t>
             </a:fld>
             <a:endParaRPr lang="en-US"/>
           </a:p>
@@ -1264,7 +1265,7 @@
           <a:p>
             <a:fld id="{42B8B0BE-C8D7-EB48-AD68-71DB5002F24B}" type="datetimeFigureOut">
               <a:rPr lang="en-US" smtClean="0"/>
-              <a:t>2/8/17</a:t>
+              <a:t>2/13/17</a:t>
             </a:fld>
             <a:endParaRPr lang="en-US"/>
           </a:p>
@@ -1510,7 +1511,7 @@
           <a:p>
             <a:fld id="{42B8B0BE-C8D7-EB48-AD68-71DB5002F24B}" type="datetimeFigureOut">
               <a:rPr lang="en-US" smtClean="0"/>
-              <a:t>2/8/17</a:t>
+              <a:t>2/13/17</a:t>
             </a:fld>
             <a:endParaRPr lang="en-US"/>
           </a:p>
@@ -1798,7 +1799,7 @@
           <a:p>
             <a:fld id="{42B8B0BE-C8D7-EB48-AD68-71DB5002F24B}" type="datetimeFigureOut">
               <a:rPr lang="en-US" smtClean="0"/>
-              <a:t>2/8/17</a:t>
+              <a:t>2/13/17</a:t>
             </a:fld>
             <a:endParaRPr lang="en-US"/>
           </a:p>
@@ -2220,7 +2221,7 @@
           <a:p>
             <a:fld id="{42B8B0BE-C8D7-EB48-AD68-71DB5002F24B}" type="datetimeFigureOut">
               <a:rPr lang="en-US" smtClean="0"/>
-              <a:t>2/8/17</a:t>
+              <a:t>2/13/17</a:t>
             </a:fld>
             <a:endParaRPr lang="en-US"/>
           </a:p>
@@ -2338,7 +2339,7 @@
           <a:p>
             <a:fld id="{42B8B0BE-C8D7-EB48-AD68-71DB5002F24B}" type="datetimeFigureOut">
               <a:rPr lang="en-US" smtClean="0"/>
-              <a:t>2/8/17</a:t>
+              <a:t>2/13/17</a:t>
             </a:fld>
             <a:endParaRPr lang="en-US"/>
           </a:p>
@@ -2433,7 +2434,7 @@
           <a:p>
             <a:fld id="{42B8B0BE-C8D7-EB48-AD68-71DB5002F24B}" type="datetimeFigureOut">
               <a:rPr lang="en-US" smtClean="0"/>
-              <a:t>2/8/17</a:t>
+              <a:t>2/13/17</a:t>
             </a:fld>
             <a:endParaRPr lang="en-US"/>
           </a:p>
@@ -2710,7 +2711,7 @@
           <a:p>
             <a:fld id="{42B8B0BE-C8D7-EB48-AD68-71DB5002F24B}" type="datetimeFigureOut">
               <a:rPr lang="en-US" smtClean="0"/>
-              <a:t>2/8/17</a:t>
+              <a:t>2/13/17</a:t>
             </a:fld>
             <a:endParaRPr lang="en-US"/>
           </a:p>
@@ -2963,7 +2964,7 @@
           <a:p>
             <a:fld id="{42B8B0BE-C8D7-EB48-AD68-71DB5002F24B}" type="datetimeFigureOut">
               <a:rPr lang="en-US" smtClean="0"/>
-              <a:t>2/8/17</a:t>
+              <a:t>2/13/17</a:t>
             </a:fld>
             <a:endParaRPr lang="en-US"/>
           </a:p>
@@ -3176,7 +3177,7 @@
           <a:p>
             <a:fld id="{42B8B0BE-C8D7-EB48-AD68-71DB5002F24B}" type="datetimeFigureOut">
               <a:rPr lang="en-US" smtClean="0"/>
-              <a:t>2/8/17</a:t>
+              <a:t>2/13/17</a:t>
             </a:fld>
             <a:endParaRPr lang="en-US"/>
           </a:p>
@@ -6811,11 +6812,7 @@
           <a:p>
             <a:r>
               <a:rPr lang="en-US" dirty="0" smtClean="0"/>
-              <a:t>Linear </a:t>
-            </a:r>
-            <a:r>
-              <a:rPr lang="en-US" dirty="0" smtClean="0"/>
-              <a:t>models (I)</a:t>
+              <a:t>Linear models (I)</a:t>
             </a:r>
             <a:endParaRPr lang="en-US" dirty="0"/>
           </a:p>
@@ -6834,7 +6831,7 @@
         <p:spPr>
           <a:xfrm>
             <a:off x="825737" y="1247587"/>
-            <a:ext cx="6362463" cy="2596280"/>
+            <a:ext cx="6362463" cy="2020546"/>
           </a:xfrm>
         </p:spPr>
         <p:txBody>
@@ -6905,21 +6902,7 @@
                 <a:latin typeface="Courier"/>
                 <a:cs typeface="Courier"/>
               </a:rPr>
-              <a:t>(price ~ carat</a:t>
-            </a:r>
-            <a:r>
-              <a:rPr lang="en-US" sz="1600" dirty="0" smtClean="0">
-                <a:latin typeface="Courier"/>
-                <a:cs typeface="Courier"/>
-              </a:rPr>
-              <a:t>, data</a:t>
-            </a:r>
-            <a:r>
-              <a:rPr lang="en-US" sz="1600" dirty="0" smtClean="0">
-                <a:latin typeface="Courier"/>
-                <a:cs typeface="Courier"/>
-              </a:rPr>
-              <a:t>=</a:t>
+              <a:t>(price ~ carat, data=</a:t>
             </a:r>
             <a:r>
               <a:rPr lang="en-US" sz="1600" dirty="0">
@@ -7183,11 +7166,7 @@
           <a:p>
             <a:r>
               <a:rPr lang="en-US" dirty="0" smtClean="0"/>
-              <a:t>Linear </a:t>
-            </a:r>
-            <a:r>
-              <a:rPr lang="en-US" dirty="0" smtClean="0"/>
-              <a:t>models (II)</a:t>
+              <a:t>ANOVA (I)</a:t>
             </a:r>
             <a:endParaRPr lang="en-US" dirty="0"/>
           </a:p>
@@ -7224,8 +7203,13 @@
                   <a:srgbClr val="17375E"/>
                 </a:solidFill>
               </a:rPr>
-              <a:t>Comparing two models</a:t>
-            </a:r>
+              <a:t>ANOVA</a:t>
+            </a:r>
+            <a:endParaRPr lang="en-US" b="1" dirty="0" smtClean="0">
+              <a:solidFill>
+                <a:srgbClr val="17375E"/>
+              </a:solidFill>
+            </a:endParaRPr>
           </a:p>
           <a:p>
             <a:pPr marL="0" indent="0">
@@ -7237,16 +7221,13 @@
             </a:r>
             <a:r>
               <a:rPr lang="en-US" dirty="0" smtClean="0"/>
-              <a:t>(model1</a:t>
-            </a:r>
-            <a:r>
-              <a:rPr lang="en-US" dirty="0"/>
-              <a:t>, </a:t>
+              <a:t>(</a:t>
             </a:r>
             <a:r>
               <a:rPr lang="en-US" dirty="0" smtClean="0"/>
-              <a:t>model2)</a:t>
-            </a:r>
+              <a:t>model)</a:t>
+            </a:r>
+            <a:endParaRPr lang="en-US" dirty="0" smtClean="0"/>
           </a:p>
           <a:p>
             <a:pPr marL="0" indent="0">
@@ -7262,18 +7243,39 @@
               <a:buNone/>
             </a:pPr>
             <a:r>
+              <a:rPr lang="en-US" sz="1600" dirty="0" err="1" smtClean="0">
+                <a:latin typeface="Courier"/>
+                <a:cs typeface="Courier"/>
+              </a:rPr>
+              <a:t>pcc</a:t>
+            </a:r>
+            <a:r>
               <a:rPr lang="en-US" sz="1600" dirty="0" smtClean="0">
                 <a:latin typeface="Courier"/>
                 <a:cs typeface="Courier"/>
               </a:rPr>
-              <a:t>pc </a:t>
+              <a:t> </a:t>
             </a:r>
             <a:r>
               <a:rPr lang="en-US" sz="1600" dirty="0">
                 <a:latin typeface="Courier"/>
                 <a:cs typeface="Courier"/>
               </a:rPr>
-              <a:t>&lt;- lm(price ~ carat, data=diamonds)</a:t>
+              <a:t>&lt;- lm(price ~ carat + cut</a:t>
+            </a:r>
+            <a:r>
+              <a:rPr lang="en-US" sz="1600" dirty="0" smtClean="0">
+                <a:latin typeface="Courier"/>
+                <a:cs typeface="Courier"/>
+              </a:rPr>
+              <a:t>, data</a:t>
+            </a:r>
+            <a:r>
+              <a:rPr lang="en-US" sz="1600" dirty="0">
+                <a:latin typeface="Courier"/>
+                <a:cs typeface="Courier"/>
+              </a:rPr>
+              <a:t>=diamonds)</a:t>
             </a:r>
           </a:p>
           <a:p>
@@ -7281,61 +7283,21 @@
               <a:buNone/>
             </a:pPr>
             <a:r>
+              <a:rPr lang="en-US" sz="1600" dirty="0" err="1">
+                <a:latin typeface="Courier"/>
+                <a:cs typeface="Courier"/>
+              </a:rPr>
+              <a:t>anova</a:t>
+            </a:r>
+            <a:r>
+              <a:rPr lang="en-US" sz="1600" dirty="0" smtClean="0">
+                <a:latin typeface="Courier"/>
+                <a:cs typeface="Courier"/>
+              </a:rPr>
+              <a:t>(</a:t>
+            </a:r>
+            <a:r>
               <a:rPr lang="en-US" sz="1600" dirty="0" err="1" smtClean="0">
-                <a:latin typeface="Courier"/>
-                <a:cs typeface="Courier"/>
-              </a:rPr>
-              <a:t>pcc</a:t>
-            </a:r>
-            <a:r>
-              <a:rPr lang="en-US" sz="1600" dirty="0" smtClean="0">
-                <a:latin typeface="Courier"/>
-                <a:cs typeface="Courier"/>
-              </a:rPr>
-              <a:t> </a:t>
-            </a:r>
-            <a:r>
-              <a:rPr lang="en-US" sz="1600" dirty="0">
-                <a:latin typeface="Courier"/>
-                <a:cs typeface="Courier"/>
-              </a:rPr>
-              <a:t>&lt;- lm(price ~ carat + cut</a:t>
-            </a:r>
-            <a:r>
-              <a:rPr lang="en-US" sz="1600" dirty="0" smtClean="0">
-                <a:latin typeface="Courier"/>
-                <a:cs typeface="Courier"/>
-              </a:rPr>
-              <a:t>, data</a:t>
-            </a:r>
-            <a:r>
-              <a:rPr lang="en-US" sz="1600" dirty="0">
-                <a:latin typeface="Courier"/>
-                <a:cs typeface="Courier"/>
-              </a:rPr>
-              <a:t>=diamonds)</a:t>
-            </a:r>
-          </a:p>
-          <a:p>
-            <a:pPr marL="0" indent="0">
-              <a:buNone/>
-            </a:pPr>
-            <a:r>
-              <a:rPr lang="en-US" sz="1600" dirty="0" err="1">
-                <a:latin typeface="Courier"/>
-                <a:cs typeface="Courier"/>
-              </a:rPr>
-              <a:t>anova</a:t>
-            </a:r>
-            <a:r>
-              <a:rPr lang="en-US" sz="1600" dirty="0">
-                <a:latin typeface="Courier"/>
-                <a:cs typeface="Courier"/>
-              </a:rPr>
-              <a:t>(pc, </a:t>
-            </a:r>
-            <a:r>
-              <a:rPr lang="en-US" sz="1600" dirty="0" err="1">
                 <a:latin typeface="Courier"/>
                 <a:cs typeface="Courier"/>
               </a:rPr>
@@ -7380,7 +7342,7 @@
         </p:nvSpPr>
         <p:spPr>
           <a:xfrm>
-            <a:off x="1314230" y="3655627"/>
+            <a:off x="1153364" y="3514681"/>
             <a:ext cx="6356569" cy="1754327"/>
           </a:xfrm>
           <a:prstGeom prst="rect">
@@ -7415,27 +7377,13 @@
           <a:p>
             <a:r>
               <a:rPr lang="en-US" sz="1200" dirty="0"/>
-              <a:t>Model 1: price ~ carat</a:t>
+              <a:t>Response: price</a:t>
             </a:r>
           </a:p>
           <a:p>
             <a:r>
               <a:rPr lang="en-US" sz="1200" dirty="0"/>
-              <a:t>Model 2: price ~ carat + cut</a:t>
-            </a:r>
-          </a:p>
-          <a:p>
-            <a:r>
-              <a:rPr lang="en-US" sz="1200" dirty="0"/>
-              <a:t>  </a:t>
-            </a:r>
-            <a:r>
-              <a:rPr lang="en-US" sz="1200" dirty="0" err="1"/>
-              <a:t>Res.Df</a:t>
-            </a:r>
-            <a:r>
-              <a:rPr lang="en-US" sz="1200" dirty="0"/>
-              <a:t>        RSS </a:t>
+              <a:t>             </a:t>
             </a:r>
             <a:r>
               <a:rPr lang="en-US" sz="1200" dirty="0" err="1"/>
@@ -7443,7 +7391,7 @@
             </a:r>
             <a:r>
               <a:rPr lang="en-US" sz="1200" dirty="0"/>
-              <a:t>  Sum of </a:t>
+              <a:t>     Sum </a:t>
             </a:r>
             <a:r>
               <a:rPr lang="en-US" sz="1200" dirty="0" err="1"/>
@@ -7451,7 +7399,15 @@
             </a:r>
             <a:r>
               <a:rPr lang="en-US" sz="1200" dirty="0"/>
-              <a:t>      F    </a:t>
+              <a:t>    Mean </a:t>
+            </a:r>
+            <a:r>
+              <a:rPr lang="en-US" sz="1200" dirty="0" err="1"/>
+              <a:t>Sq</a:t>
+            </a:r>
+            <a:r>
+              <a:rPr lang="en-US" sz="1200" dirty="0"/>
+              <a:t>   F value    </a:t>
             </a:r>
             <a:r>
               <a:rPr lang="en-US" sz="1200" dirty="0" err="1"/>
@@ -7465,13 +7421,19 @@
           <a:p>
             <a:r>
               <a:rPr lang="en-US" sz="1200" dirty="0"/>
-              <a:t>1  53938 1.2935e+11                                   </a:t>
+              <a:t>carat         1 7.2913e+11 7.2913e+11 319162.11 &lt; 2.2e-16 ***</a:t>
             </a:r>
           </a:p>
           <a:p>
             <a:r>
               <a:rPr lang="en-US" sz="1200" dirty="0"/>
-              <a:t>2  53934 1.2321e+11  4 6133201436 671.17 &lt; 2.2e-16 ***</a:t>
+              <a:t>cut           4 6.1332e+09 1.5333e+09    671.17 &lt; 2.2e-16 ***</a:t>
+            </a:r>
+          </a:p>
+          <a:p>
+            <a:r>
+              <a:rPr lang="en-US" sz="1200" dirty="0"/>
+              <a:t>Residuals 53934 1.2321e+11 2.2845e+06                        </a:t>
             </a:r>
           </a:p>
           <a:p>
@@ -7489,6 +7451,7 @@
               <a:rPr lang="en-US" sz="1200" dirty="0"/>
               <a:t>. codes:  0 ‘***’ 0.001 ‘**’ 0.01 ‘*’ 0.05 ‘.’ 0.1 ‘ ’ 1</a:t>
             </a:r>
+            <a:endParaRPr lang="en-US" sz="1200" dirty="0"/>
           </a:p>
         </p:txBody>
       </p:sp>
@@ -7513,6 +7476,369 @@
 </file>
 
 <file path=ppt/slides/slide18.xml><?xml version="1.0" encoding="utf-8"?>
+<p:sld xmlns:a="http://schemas.openxmlformats.org/drawingml/2006/main" xmlns:r="http://schemas.openxmlformats.org/officeDocument/2006/relationships" xmlns:p="http://schemas.openxmlformats.org/presentationml/2006/main">
+  <p:cSld>
+    <p:spTree>
+      <p:nvGrpSpPr>
+        <p:cNvPr id="1" name=""/>
+        <p:cNvGrpSpPr/>
+        <p:nvPr/>
+      </p:nvGrpSpPr>
+      <p:grpSpPr>
+        <a:xfrm>
+          <a:off x="0" y="0"/>
+          <a:ext cx="0" cy="0"/>
+          <a:chOff x="0" y="0"/>
+          <a:chExt cx="0" cy="0"/>
+        </a:xfrm>
+      </p:grpSpPr>
+      <p:sp>
+        <p:nvSpPr>
+          <p:cNvPr id="4" name="Title 3"/>
+          <p:cNvSpPr>
+            <a:spLocks noGrp="1"/>
+          </p:cNvSpPr>
+          <p:nvPr>
+            <p:ph type="title"/>
+          </p:nvPr>
+        </p:nvSpPr>
+        <p:spPr/>
+        <p:txBody>
+          <a:bodyPr/>
+          <a:lstStyle/>
+          <a:p>
+            <a:r>
+              <a:rPr lang="en-US" dirty="0" smtClean="0"/>
+              <a:t>ANOVA (</a:t>
+            </a:r>
+            <a:r>
+              <a:rPr lang="en-US" dirty="0" smtClean="0"/>
+              <a:t>II)</a:t>
+            </a:r>
+            <a:endParaRPr lang="en-US" dirty="0"/>
+          </a:p>
+        </p:txBody>
+      </p:sp>
+      <p:sp>
+        <p:nvSpPr>
+          <p:cNvPr id="5" name="Content Placeholder 4"/>
+          <p:cNvSpPr>
+            <a:spLocks noGrp="1"/>
+          </p:cNvSpPr>
+          <p:nvPr>
+            <p:ph idx="1"/>
+          </p:nvPr>
+        </p:nvSpPr>
+        <p:spPr>
+          <a:xfrm>
+            <a:off x="681803" y="1242107"/>
+            <a:ext cx="6684197" cy="2266080"/>
+          </a:xfrm>
+        </p:spPr>
+        <p:txBody>
+          <a:bodyPr>
+            <a:normAutofit/>
+          </a:bodyPr>
+          <a:lstStyle/>
+          <a:p>
+            <a:pPr marL="0" indent="0">
+              <a:buNone/>
+            </a:pPr>
+            <a:r>
+              <a:rPr lang="en-US" b="1" dirty="0" smtClean="0">
+                <a:solidFill>
+                  <a:srgbClr val="17375E"/>
+                </a:solidFill>
+              </a:rPr>
+              <a:t>Comparing two models</a:t>
+            </a:r>
+          </a:p>
+          <a:p>
+            <a:pPr marL="0" indent="0">
+              <a:buNone/>
+            </a:pPr>
+            <a:r>
+              <a:rPr lang="en-US" dirty="0" err="1" smtClean="0"/>
+              <a:t>anova</a:t>
+            </a:r>
+            <a:r>
+              <a:rPr lang="en-US" dirty="0" smtClean="0"/>
+              <a:t>(model1</a:t>
+            </a:r>
+            <a:r>
+              <a:rPr lang="en-US" dirty="0"/>
+              <a:t>, </a:t>
+            </a:r>
+            <a:r>
+              <a:rPr lang="en-US" dirty="0" smtClean="0"/>
+              <a:t>model2)</a:t>
+            </a:r>
+          </a:p>
+          <a:p>
+            <a:pPr marL="0" indent="0">
+              <a:buNone/>
+            </a:pPr>
+            <a:endParaRPr lang="en-US" sz="1600" dirty="0" smtClean="0">
+              <a:latin typeface="Courier"/>
+              <a:cs typeface="Courier"/>
+            </a:endParaRPr>
+          </a:p>
+          <a:p>
+            <a:pPr marL="0" indent="0">
+              <a:buNone/>
+            </a:pPr>
+            <a:r>
+              <a:rPr lang="en-US" sz="1600" dirty="0" smtClean="0">
+                <a:latin typeface="Courier"/>
+                <a:cs typeface="Courier"/>
+              </a:rPr>
+              <a:t>pc </a:t>
+            </a:r>
+            <a:r>
+              <a:rPr lang="en-US" sz="1600" dirty="0">
+                <a:latin typeface="Courier"/>
+                <a:cs typeface="Courier"/>
+              </a:rPr>
+              <a:t>&lt;- lm(price ~ carat, data=diamonds)</a:t>
+            </a:r>
+          </a:p>
+          <a:p>
+            <a:pPr marL="0" indent="0">
+              <a:buNone/>
+            </a:pPr>
+            <a:r>
+              <a:rPr lang="en-US" sz="1600" dirty="0" err="1" smtClean="0">
+                <a:latin typeface="Courier"/>
+                <a:cs typeface="Courier"/>
+              </a:rPr>
+              <a:t>pcc</a:t>
+            </a:r>
+            <a:r>
+              <a:rPr lang="en-US" sz="1600" dirty="0" smtClean="0">
+                <a:latin typeface="Courier"/>
+                <a:cs typeface="Courier"/>
+              </a:rPr>
+              <a:t> </a:t>
+            </a:r>
+            <a:r>
+              <a:rPr lang="en-US" sz="1600" dirty="0">
+                <a:latin typeface="Courier"/>
+                <a:cs typeface="Courier"/>
+              </a:rPr>
+              <a:t>&lt;- lm(price ~ carat + cut</a:t>
+            </a:r>
+            <a:r>
+              <a:rPr lang="en-US" sz="1600" dirty="0" smtClean="0">
+                <a:latin typeface="Courier"/>
+                <a:cs typeface="Courier"/>
+              </a:rPr>
+              <a:t>, data</a:t>
+            </a:r>
+            <a:r>
+              <a:rPr lang="en-US" sz="1600" dirty="0">
+                <a:latin typeface="Courier"/>
+                <a:cs typeface="Courier"/>
+              </a:rPr>
+              <a:t>=diamonds)</a:t>
+            </a:r>
+          </a:p>
+          <a:p>
+            <a:pPr marL="0" indent="0">
+              <a:buNone/>
+            </a:pPr>
+            <a:r>
+              <a:rPr lang="en-US" sz="1600" dirty="0" err="1">
+                <a:latin typeface="Courier"/>
+                <a:cs typeface="Courier"/>
+              </a:rPr>
+              <a:t>anova</a:t>
+            </a:r>
+            <a:r>
+              <a:rPr lang="en-US" sz="1600" dirty="0">
+                <a:latin typeface="Courier"/>
+                <a:cs typeface="Courier"/>
+              </a:rPr>
+              <a:t>(pc, </a:t>
+            </a:r>
+            <a:r>
+              <a:rPr lang="en-US" sz="1600" dirty="0" err="1">
+                <a:latin typeface="Courier"/>
+                <a:cs typeface="Courier"/>
+              </a:rPr>
+              <a:t>pcc</a:t>
+            </a:r>
+            <a:r>
+              <a:rPr lang="en-US" sz="1600" dirty="0">
+                <a:latin typeface="Courier"/>
+                <a:cs typeface="Courier"/>
+              </a:rPr>
+              <a:t>)</a:t>
+            </a:r>
+          </a:p>
+          <a:p>
+            <a:pPr marL="0" indent="0">
+              <a:buNone/>
+            </a:pPr>
+            <a:endParaRPr lang="en-US" sz="1600" dirty="0">
+              <a:latin typeface="Courier"/>
+              <a:cs typeface="Courier"/>
+            </a:endParaRPr>
+          </a:p>
+          <a:p>
+            <a:pPr marL="0" indent="0">
+              <a:buNone/>
+            </a:pPr>
+            <a:endParaRPr lang="en-US" dirty="0"/>
+          </a:p>
+          <a:p>
+            <a:pPr marL="0" indent="0">
+              <a:buNone/>
+            </a:pPr>
+            <a:endParaRPr lang="en-US" dirty="0" smtClean="0"/>
+          </a:p>
+        </p:txBody>
+      </p:sp>
+      <p:sp>
+        <p:nvSpPr>
+          <p:cNvPr id="3" name="TextBox 2"/>
+          <p:cNvSpPr txBox="1"/>
+          <p:nvPr/>
+        </p:nvSpPr>
+        <p:spPr>
+          <a:xfrm>
+            <a:off x="1314230" y="3655627"/>
+            <a:ext cx="6356569" cy="1754327"/>
+          </a:xfrm>
+          <a:prstGeom prst="rect">
+            <a:avLst/>
+          </a:prstGeom>
+          <a:noFill/>
+        </p:spPr>
+        <p:txBody>
+          <a:bodyPr wrap="square" rtlCol="0">
+            <a:spAutoFit/>
+          </a:bodyPr>
+          <a:lstStyle>
+            <a:defPPr>
+              <a:defRPr lang="en-US"/>
+            </a:defPPr>
+            <a:lvl1pPr>
+              <a:defRPr sz="900">
+                <a:latin typeface="Courier"/>
+                <a:cs typeface="Courier"/>
+              </a:defRPr>
+            </a:lvl1pPr>
+          </a:lstStyle>
+          <a:p>
+            <a:r>
+              <a:rPr lang="en-US" sz="1200" dirty="0"/>
+              <a:t>Analysis of Variance Table</a:t>
+            </a:r>
+          </a:p>
+          <a:p>
+            <a:endParaRPr lang="en-US" sz="1200" dirty="0"/>
+          </a:p>
+          <a:p>
+            <a:r>
+              <a:rPr lang="en-US" sz="1200" dirty="0"/>
+              <a:t>Model 1: price ~ carat</a:t>
+            </a:r>
+          </a:p>
+          <a:p>
+            <a:r>
+              <a:rPr lang="en-US" sz="1200" dirty="0"/>
+              <a:t>Model 2: price ~ carat + cut</a:t>
+            </a:r>
+          </a:p>
+          <a:p>
+            <a:r>
+              <a:rPr lang="en-US" sz="1200" dirty="0"/>
+              <a:t>  </a:t>
+            </a:r>
+            <a:r>
+              <a:rPr lang="en-US" sz="1200" dirty="0" err="1"/>
+              <a:t>Res.Df</a:t>
+            </a:r>
+            <a:r>
+              <a:rPr lang="en-US" sz="1200" dirty="0"/>
+              <a:t>        RSS </a:t>
+            </a:r>
+            <a:r>
+              <a:rPr lang="en-US" sz="1200" dirty="0" err="1"/>
+              <a:t>Df</a:t>
+            </a:r>
+            <a:r>
+              <a:rPr lang="en-US" sz="1200" dirty="0"/>
+              <a:t>  Sum of </a:t>
+            </a:r>
+            <a:r>
+              <a:rPr lang="en-US" sz="1200" dirty="0" err="1"/>
+              <a:t>Sq</a:t>
+            </a:r>
+            <a:r>
+              <a:rPr lang="en-US" sz="1200" dirty="0"/>
+              <a:t>      F    </a:t>
+            </a:r>
+            <a:r>
+              <a:rPr lang="en-US" sz="1200" dirty="0" err="1"/>
+              <a:t>Pr</a:t>
+            </a:r>
+            <a:r>
+              <a:rPr lang="en-US" sz="1200" dirty="0"/>
+              <a:t>(&gt;F)    </a:t>
+            </a:r>
+          </a:p>
+          <a:p>
+            <a:r>
+              <a:rPr lang="en-US" sz="1200" dirty="0"/>
+              <a:t>1  53938 1.2935e+11                                   </a:t>
+            </a:r>
+          </a:p>
+          <a:p>
+            <a:r>
+              <a:rPr lang="en-US" sz="1200" dirty="0"/>
+              <a:t>2  53934 1.2321e+11  4 6133201436 671.17 &lt; 2.2e-16 ***</a:t>
+            </a:r>
+          </a:p>
+          <a:p>
+            <a:r>
+              <a:rPr lang="en-US" sz="1200" dirty="0"/>
+              <a:t>---</a:t>
+            </a:r>
+          </a:p>
+          <a:p>
+            <a:r>
+              <a:rPr lang="en-US" sz="1200" dirty="0" err="1"/>
+              <a:t>Signif</a:t>
+            </a:r>
+            <a:r>
+              <a:rPr lang="en-US" sz="1200" dirty="0"/>
+              <a:t>. codes:  0 ‘***’ 0.001 ‘**’ 0.01 ‘*’ 0.05 ‘.’ 0.1 ‘ ’ 1</a:t>
+            </a:r>
+          </a:p>
+        </p:txBody>
+      </p:sp>
+    </p:spTree>
+    <p:extLst>
+      <p:ext uri="{BB962C8B-B14F-4D97-AF65-F5344CB8AC3E}">
+        <p14:creationId xmlns:p14="http://schemas.microsoft.com/office/powerpoint/2010/main" val="1821043530"/>
+      </p:ext>
+    </p:extLst>
+  </p:cSld>
+  <p:clrMapOvr>
+    <a:masterClrMapping/>
+  </p:clrMapOvr>
+  <p:timing>
+    <p:tnLst>
+      <p:par>
+        <p:cTn xmlns:p14="http://schemas.microsoft.com/office/powerpoint/2010/main" id="1" dur="indefinite" restart="never" nodeType="tmRoot"/>
+      </p:par>
+    </p:tnLst>
+  </p:timing>
+</p:sld>
+</file>
+
+<file path=ppt/slides/slide19.xml><?xml version="1.0" encoding="utf-8"?>
 <p:sld xmlns:a="http://schemas.openxmlformats.org/drawingml/2006/main" xmlns:r="http://schemas.openxmlformats.org/officeDocument/2006/relationships" xmlns:p="http://schemas.openxmlformats.org/presentationml/2006/main">
   <p:cSld>
     <p:spTree>
@@ -8149,7 +8475,165 @@
 </p:sld>
 </file>
 
-<file path=ppt/slides/slide19.xml><?xml version="1.0" encoding="utf-8"?>
+<file path=ppt/slides/slide2.xml><?xml version="1.0" encoding="utf-8"?>
+<p:sld xmlns:a="http://schemas.openxmlformats.org/drawingml/2006/main" xmlns:r="http://schemas.openxmlformats.org/officeDocument/2006/relationships" xmlns:p="http://schemas.openxmlformats.org/presentationml/2006/main">
+  <p:cSld>
+    <p:spTree>
+      <p:nvGrpSpPr>
+        <p:cNvPr id="1" name=""/>
+        <p:cNvGrpSpPr/>
+        <p:nvPr/>
+      </p:nvGrpSpPr>
+      <p:grpSpPr>
+        <a:xfrm>
+          <a:off x="0" y="0"/>
+          <a:ext cx="0" cy="0"/>
+          <a:chOff x="0" y="0"/>
+          <a:chExt cx="0" cy="0"/>
+        </a:xfrm>
+      </p:grpSpPr>
+      <p:sp>
+        <p:nvSpPr>
+          <p:cNvPr id="2" name="Title 1"/>
+          <p:cNvSpPr>
+            <a:spLocks noGrp="1"/>
+          </p:cNvSpPr>
+          <p:nvPr>
+            <p:ph type="title"/>
+          </p:nvPr>
+        </p:nvSpPr>
+        <p:spPr/>
+        <p:txBody>
+          <a:bodyPr/>
+          <a:lstStyle/>
+          <a:p>
+            <a:r>
+              <a:rPr lang="en-US" dirty="0" smtClean="0"/>
+              <a:t>Outline</a:t>
+            </a:r>
+            <a:endParaRPr lang="en-US" dirty="0"/>
+          </a:p>
+        </p:txBody>
+      </p:sp>
+      <p:sp>
+        <p:nvSpPr>
+          <p:cNvPr id="3" name="Content Placeholder 2"/>
+          <p:cNvSpPr>
+            <a:spLocks noGrp="1"/>
+          </p:cNvSpPr>
+          <p:nvPr>
+            <p:ph idx="1"/>
+          </p:nvPr>
+        </p:nvSpPr>
+        <p:spPr>
+          <a:xfrm>
+            <a:off x="1814207" y="1794690"/>
+            <a:ext cx="5631153" cy="2861978"/>
+          </a:xfrm>
+        </p:spPr>
+        <p:txBody>
+          <a:bodyPr>
+            <a:normAutofit/>
+          </a:bodyPr>
+          <a:lstStyle/>
+          <a:p>
+            <a:pPr>
+              <a:lnSpc>
+                <a:spcPct val="140000"/>
+              </a:lnSpc>
+            </a:pPr>
+            <a:r>
+              <a:rPr lang="en-US" sz="2800" dirty="0" smtClean="0"/>
+              <a:t>your own functions</a:t>
+            </a:r>
+          </a:p>
+          <a:p>
+            <a:pPr>
+              <a:lnSpc>
+                <a:spcPct val="140000"/>
+              </a:lnSpc>
+            </a:pPr>
+            <a:r>
+              <a:rPr lang="en-US" sz="2800" dirty="0"/>
+              <a:t>apply family</a:t>
+            </a:r>
+          </a:p>
+          <a:p>
+            <a:pPr>
+              <a:lnSpc>
+                <a:spcPct val="140000"/>
+              </a:lnSpc>
+            </a:pPr>
+            <a:r>
+              <a:rPr lang="en-US" sz="2800" dirty="0"/>
+              <a:t>Other </a:t>
+            </a:r>
+            <a:r>
+              <a:rPr lang="en-US" sz="2800" dirty="0" smtClean="0"/>
+              <a:t>useful functions</a:t>
+            </a:r>
+          </a:p>
+          <a:p>
+            <a:pPr>
+              <a:lnSpc>
+                <a:spcPct val="140000"/>
+              </a:lnSpc>
+            </a:pPr>
+            <a:r>
+              <a:rPr lang="en-US" sz="2800" dirty="0"/>
+              <a:t>Simple statistical </a:t>
+            </a:r>
+            <a:r>
+              <a:rPr lang="en-US" sz="2800" dirty="0" smtClean="0"/>
+              <a:t>test</a:t>
+            </a:r>
+          </a:p>
+        </p:txBody>
+      </p:sp>
+      <p:sp>
+        <p:nvSpPr>
+          <p:cNvPr id="4" name="Slide Number Placeholder 3"/>
+          <p:cNvSpPr>
+            <a:spLocks noGrp="1"/>
+          </p:cNvSpPr>
+          <p:nvPr>
+            <p:ph type="sldNum" sz="quarter" idx="12"/>
+          </p:nvPr>
+        </p:nvSpPr>
+        <p:spPr/>
+        <p:txBody>
+          <a:bodyPr/>
+          <a:lstStyle/>
+          <a:p>
+            <a:fld id="{F0E6AACD-98D4-444A-B59C-07AE2AECC521}" type="slidenum">
+              <a:rPr lang="en-US" smtClean="0"/>
+              <a:t>2</a:t>
+            </a:fld>
+            <a:endParaRPr lang="en-US"/>
+          </a:p>
+        </p:txBody>
+      </p:sp>
+    </p:spTree>
+    <p:extLst>
+      <p:ext uri="{BB962C8B-B14F-4D97-AF65-F5344CB8AC3E}">
+        <p14:creationId xmlns:p14="http://schemas.microsoft.com/office/powerpoint/2010/main" val="2671617336"/>
+      </p:ext>
+    </p:extLst>
+  </p:cSld>
+  <p:clrMapOvr>
+    <a:masterClrMapping/>
+  </p:clrMapOvr>
+  <p:timing>
+    <p:tnLst>
+      <p:par>
+        <p:cTn xmlns:p14="http://schemas.microsoft.com/office/powerpoint/2010/main" id="1" dur="indefinite" restart="never" nodeType="tmRoot"/>
+      </p:par>
+    </p:tnLst>
+  </p:timing>
+</p:sld>
+</file>
+
+<file path=ppt/slides/slide20.xml><?xml version="1.0" encoding="utf-8"?>
 <p:sld xmlns:a="http://schemas.openxmlformats.org/drawingml/2006/main" xmlns:r="http://schemas.openxmlformats.org/officeDocument/2006/relationships" xmlns:p="http://schemas.openxmlformats.org/presentationml/2006/main">
   <p:cSld>
     <p:spTree>
@@ -8484,7 +8968,7 @@
 </p:sld>
 </file>
 
-<file path=ppt/slides/slide2.xml><?xml version="1.0" encoding="utf-8"?>
+<file path=ppt/slides/slide21.xml><?xml version="1.0" encoding="utf-8"?>
 <p:sld xmlns:a="http://schemas.openxmlformats.org/drawingml/2006/main" xmlns:r="http://schemas.openxmlformats.org/officeDocument/2006/relationships" xmlns:p="http://schemas.openxmlformats.org/presentationml/2006/main">
   <p:cSld>
     <p:spTree>
@@ -8518,7 +9002,7 @@
           <a:p>
             <a:r>
               <a:rPr lang="en-US" dirty="0" smtClean="0"/>
-              <a:t>Outline</a:t>
+              <a:t>Online resources</a:t>
             </a:r>
             <a:endParaRPr lang="en-US" dirty="0"/>
           </a:p>
@@ -8536,8 +9020,8 @@
         </p:nvSpPr>
         <p:spPr>
           <a:xfrm>
-            <a:off x="1814207" y="1794690"/>
-            <a:ext cx="5631153" cy="2861978"/>
+            <a:off x="524934" y="1969076"/>
+            <a:ext cx="8229600" cy="3297190"/>
           </a:xfrm>
         </p:spPr>
         <p:txBody>
@@ -8546,165 +9030,6 @@
           </a:bodyPr>
           <a:lstStyle/>
           <a:p>
-            <a:pPr>
-              <a:lnSpc>
-                <a:spcPct val="140000"/>
-              </a:lnSpc>
-            </a:pPr>
-            <a:r>
-              <a:rPr lang="en-US" sz="2800" dirty="0" smtClean="0"/>
-              <a:t>your own functions</a:t>
-            </a:r>
-          </a:p>
-          <a:p>
-            <a:pPr>
-              <a:lnSpc>
-                <a:spcPct val="140000"/>
-              </a:lnSpc>
-            </a:pPr>
-            <a:r>
-              <a:rPr lang="en-US" sz="2800" dirty="0"/>
-              <a:t>apply family</a:t>
-            </a:r>
-          </a:p>
-          <a:p>
-            <a:pPr>
-              <a:lnSpc>
-                <a:spcPct val="140000"/>
-              </a:lnSpc>
-            </a:pPr>
-            <a:r>
-              <a:rPr lang="en-US" sz="2800" dirty="0"/>
-              <a:t>Other </a:t>
-            </a:r>
-            <a:r>
-              <a:rPr lang="en-US" sz="2800" dirty="0" smtClean="0"/>
-              <a:t>useful functions</a:t>
-            </a:r>
-          </a:p>
-          <a:p>
-            <a:pPr>
-              <a:lnSpc>
-                <a:spcPct val="140000"/>
-              </a:lnSpc>
-            </a:pPr>
-            <a:r>
-              <a:rPr lang="en-US" sz="2800" dirty="0"/>
-              <a:t>Simple statistical </a:t>
-            </a:r>
-            <a:r>
-              <a:rPr lang="en-US" sz="2800" dirty="0" smtClean="0"/>
-              <a:t>test</a:t>
-            </a:r>
-            <a:endParaRPr lang="en-US" sz="2800" dirty="0" smtClean="0"/>
-          </a:p>
-        </p:txBody>
-      </p:sp>
-      <p:sp>
-        <p:nvSpPr>
-          <p:cNvPr id="4" name="Slide Number Placeholder 3"/>
-          <p:cNvSpPr>
-            <a:spLocks noGrp="1"/>
-          </p:cNvSpPr>
-          <p:nvPr>
-            <p:ph type="sldNum" sz="quarter" idx="12"/>
-          </p:nvPr>
-        </p:nvSpPr>
-        <p:spPr/>
-        <p:txBody>
-          <a:bodyPr/>
-          <a:lstStyle/>
-          <a:p>
-            <a:fld id="{F0E6AACD-98D4-444A-B59C-07AE2AECC521}" type="slidenum">
-              <a:rPr lang="en-US" smtClean="0"/>
-              <a:t>2</a:t>
-            </a:fld>
-            <a:endParaRPr lang="en-US"/>
-          </a:p>
-        </p:txBody>
-      </p:sp>
-    </p:spTree>
-    <p:extLst>
-      <p:ext uri="{BB962C8B-B14F-4D97-AF65-F5344CB8AC3E}">
-        <p14:creationId xmlns:p14="http://schemas.microsoft.com/office/powerpoint/2010/main" val="2671617336"/>
-      </p:ext>
-    </p:extLst>
-  </p:cSld>
-  <p:clrMapOvr>
-    <a:masterClrMapping/>
-  </p:clrMapOvr>
-  <p:timing>
-    <p:tnLst>
-      <p:par>
-        <p:cTn xmlns:p14="http://schemas.microsoft.com/office/powerpoint/2010/main" id="1" dur="indefinite" restart="never" nodeType="tmRoot"/>
-      </p:par>
-    </p:tnLst>
-  </p:timing>
-</p:sld>
-</file>
-
-<file path=ppt/slides/slide20.xml><?xml version="1.0" encoding="utf-8"?>
-<p:sld xmlns:a="http://schemas.openxmlformats.org/drawingml/2006/main" xmlns:r="http://schemas.openxmlformats.org/officeDocument/2006/relationships" xmlns:p="http://schemas.openxmlformats.org/presentationml/2006/main">
-  <p:cSld>
-    <p:spTree>
-      <p:nvGrpSpPr>
-        <p:cNvPr id="1" name=""/>
-        <p:cNvGrpSpPr/>
-        <p:nvPr/>
-      </p:nvGrpSpPr>
-      <p:grpSpPr>
-        <a:xfrm>
-          <a:off x="0" y="0"/>
-          <a:ext cx="0" cy="0"/>
-          <a:chOff x="0" y="0"/>
-          <a:chExt cx="0" cy="0"/>
-        </a:xfrm>
-      </p:grpSpPr>
-      <p:sp>
-        <p:nvSpPr>
-          <p:cNvPr id="2" name="Title 1"/>
-          <p:cNvSpPr>
-            <a:spLocks noGrp="1"/>
-          </p:cNvSpPr>
-          <p:nvPr>
-            <p:ph type="title"/>
-          </p:nvPr>
-        </p:nvSpPr>
-        <p:spPr/>
-        <p:txBody>
-          <a:bodyPr/>
-          <a:lstStyle/>
-          <a:p>
-            <a:r>
-              <a:rPr lang="en-US" dirty="0" smtClean="0"/>
-              <a:t>Online resources</a:t>
-            </a:r>
-            <a:endParaRPr lang="en-US" dirty="0"/>
-          </a:p>
-        </p:txBody>
-      </p:sp>
-      <p:sp>
-        <p:nvSpPr>
-          <p:cNvPr id="3" name="Content Placeholder 2"/>
-          <p:cNvSpPr>
-            <a:spLocks noGrp="1"/>
-          </p:cNvSpPr>
-          <p:nvPr>
-            <p:ph idx="1"/>
-          </p:nvPr>
-        </p:nvSpPr>
-        <p:spPr>
-          <a:xfrm>
-            <a:off x="524934" y="1969076"/>
-            <a:ext cx="8229600" cy="3297190"/>
-          </a:xfrm>
-        </p:spPr>
-        <p:txBody>
-          <a:bodyPr>
-            <a:normAutofit/>
-          </a:bodyPr>
-          <a:lstStyle/>
-          <a:p>
             <a:pPr marL="0" indent="0">
               <a:buNone/>
             </a:pPr>
@@ -8780,6 +9105,33 @@
               <a:rPr lang="en-US" sz="1600" dirty="0" smtClean="0"/>
               <a:t>1</a:t>
             </a:r>
+          </a:p>
+          <a:p>
+            <a:r>
+              <a:rPr lang="en-US" sz="1600" dirty="0"/>
+              <a:t>http://</a:t>
+            </a:r>
+            <a:r>
+              <a:rPr lang="en-US" sz="1600" dirty="0" err="1"/>
+              <a:t>www.analyticsforfun.com</a:t>
+            </a:r>
+            <a:r>
+              <a:rPr lang="en-US" sz="1600" dirty="0"/>
+              <a:t>/2014/06/performing-</a:t>
+            </a:r>
+            <a:r>
+              <a:rPr lang="en-US" sz="1600" dirty="0" err="1"/>
+              <a:t>anova</a:t>
+            </a:r>
+            <a:r>
+              <a:rPr lang="en-US" sz="1600" dirty="0"/>
+              <a:t>-test-in-r-results-</a:t>
+            </a:r>
+            <a:r>
+              <a:rPr lang="en-US" sz="1600" dirty="0" err="1"/>
+              <a:t>and.html</a:t>
+            </a:r>
+            <a:endParaRPr lang="en-US" sz="1600" dirty="0" smtClean="0"/>
           </a:p>
           <a:p>
             <a:endParaRPr lang="en-US" sz="1600" dirty="0"/>
